--- a/docs/tutorials/img/vae-gmm/vae-gmm.pptx
+++ b/docs/tutorials/img/vae-gmm/vae-gmm.pptx
@@ -3259,111 +3259,79 @@
           <a:chExt cx="0" cy="0"/>
         </a:xfrm>
       </p:grpSpPr>
-      <p:grpSp>
-        <p:nvGrpSpPr>
-          <p:cNvPr id="2" name="グループ化 1"/>
-          <p:cNvGrpSpPr/>
+      <p:sp>
+        <p:nvSpPr>
+          <p:cNvPr id="4" name="テキスト ボックス 3"/>
+          <p:cNvSpPr txBox="1"/>
           <p:nvPr/>
-        </p:nvGrpSpPr>
-        <p:grpSpPr>
+        </p:nvSpPr>
+        <p:spPr>
           <a:xfrm>
             <a:off x="415108" y="1832892"/>
             <a:ext cx="1768113" cy="276999"/>
-            <a:chOff x="1467806" y="4380294"/>
-            <a:chExt cx="1944788" cy="359058"/>
           </a:xfrm>
-        </p:grpSpPr>
-        <p:sp>
-          <p:nvSpPr>
-            <p:cNvPr id="4" name="テキスト ボックス 3"/>
-            <p:cNvSpPr txBox="1"/>
-            <p:nvPr/>
-          </p:nvSpPr>
-          <p:spPr>
-            <a:xfrm>
-              <a:off x="1467806" y="4380294"/>
-              <a:ext cx="1944788" cy="359058"/>
-            </a:xfrm>
-            <a:prstGeom prst="rect">
-              <a:avLst/>
-            </a:prstGeom>
-            <a:noFill/>
-          </p:spPr>
-          <p:txBody>
-            <a:bodyPr wrap="none" rtlCol="0">
-              <a:spAutoFit/>
-            </a:bodyPr>
-            <a:lstStyle/>
-            <a:p>
-              <a:r>
-                <a:rPr lang="en-US" altLang="ja-JP" sz="1200" dirty="0"/>
-                <a:t>Send</a:t>
-              </a:r>
-              <a:r>
-                <a:rPr lang="ja-JP" altLang="en-US" sz="1200" dirty="0"/>
-                <a:t> </a:t>
-              </a:r>
-              <a:r>
-                <a:rPr lang="en-US" altLang="ja-JP" sz="1200" dirty="0"/>
-                <a:t>latent </a:t>
-              </a:r>
-              <a:r>
-                <a:rPr lang="en-US" altLang="ja-JP" sz="1200" dirty="0" smtClean="0"/>
-                <a:t>variables       </a:t>
-              </a:r>
-              <a:r>
-                <a:rPr lang="en-US" altLang="ja-JP" sz="1200" dirty="0"/>
-                <a:t>.</a:t>
-              </a:r>
-              <a:endParaRPr lang="ja-JP" altLang="en-US" sz="1200" dirty="0"/>
-            </a:p>
-          </p:txBody>
-        </p:sp>
-        <p:pic>
-          <p:nvPicPr>
-            <p:cNvPr id="3" name="Picture 14" descr="https://latex.codecogs.com/gif.latex?%5Cdpi%7B300%7D%20%5CLARGE%20z_1"/>
-            <p:cNvPicPr>
-              <a:picLocks noChangeAspect="1" noChangeArrowheads="1"/>
-            </p:cNvPicPr>
-            <p:nvPr/>
-          </p:nvPicPr>
-          <p:blipFill>
-            <a:blip r:embed="rId2" cstate="print">
-              <a:extLst>
-                <a:ext uri="{28A0092B-C50C-407E-A947-70E740481C1C}">
-                  <a14:useLocalDpi xmlns:a14="http://schemas.microsoft.com/office/drawing/2010/main" val="0"/>
-                </a:ext>
-              </a:extLst>
-            </a:blip>
-            <a:srcRect/>
-            <a:stretch>
-              <a:fillRect/>
-            </a:stretch>
-          </p:blipFill>
-          <p:spPr bwMode="auto">
-            <a:xfrm>
-              <a:off x="3038328" y="4498457"/>
-              <a:ext cx="171198" cy="145939"/>
-            </a:xfrm>
-            <a:prstGeom prst="rect">
-              <a:avLst/>
-            </a:prstGeom>
-            <a:noFill/>
-            <a:extLst>
-              <a:ext uri="{909E8E84-426E-40DD-AFC4-6F175D3DCCD1}">
-                <a14:hiddenFill xmlns:a14="http://schemas.microsoft.com/office/drawing/2010/main">
-                  <a:solidFill>
-                    <a:srgbClr val="FFFFFF"/>
-                  </a:solidFill>
-                </a14:hiddenFill>
-              </a:ext>
-            </a:extLst>
-          </p:spPr>
-        </p:pic>
-      </p:grpSp>
+          <a:prstGeom prst="rect">
+            <a:avLst/>
+          </a:prstGeom>
+          <a:noFill/>
+        </p:spPr>
+        <p:txBody>
+          <a:bodyPr wrap="none" rtlCol="0">
+            <a:spAutoFit/>
+          </a:bodyPr>
+          <a:lstStyle/>
+          <a:p>
+            <a:r>
+              <a:rPr lang="en-US" altLang="ja-JP" sz="1200" dirty="0"/>
+              <a:t>Send</a:t>
+            </a:r>
+            <a:r>
+              <a:rPr lang="ja-JP" altLang="en-US" sz="1200" dirty="0"/>
+              <a:t> </a:t>
+            </a:r>
+            <a:r>
+              <a:rPr lang="en-US" altLang="ja-JP" sz="1200" dirty="0"/>
+              <a:t>latent </a:t>
+            </a:r>
+            <a:r>
+              <a:rPr lang="en-US" altLang="ja-JP" sz="1200" dirty="0" smtClean="0"/>
+              <a:t>variables       </a:t>
+            </a:r>
+            <a:r>
+              <a:rPr lang="en-US" altLang="ja-JP" sz="1200" dirty="0"/>
+              <a:t>.</a:t>
+            </a:r>
+            <a:endParaRPr lang="ja-JP" altLang="en-US" sz="1200" dirty="0"/>
+          </a:p>
+        </p:txBody>
+      </p:sp>
+      <p:pic>
+        <p:nvPicPr>
+          <p:cNvPr id="8" name="図 7"/>
+          <p:cNvPicPr>
+            <a:picLocks noChangeAspect="1"/>
+          </p:cNvPicPr>
+          <p:nvPr/>
+        </p:nvPicPr>
+        <p:blipFill>
+          <a:blip r:embed="rId2"/>
+          <a:stretch>
+            <a:fillRect/>
+          </a:stretch>
+        </p:blipFill>
+        <p:spPr>
+          <a:xfrm>
+            <a:off x="2241467" y="100137"/>
+            <a:ext cx="1106941" cy="3859088"/>
+          </a:xfrm>
+          <a:prstGeom prst="rect">
+            <a:avLst/>
+          </a:prstGeom>
+        </p:spPr>
+      </p:pic>
       <p:grpSp>
         <p:nvGrpSpPr>
-          <p:cNvPr id="5" name="グループ化 4"/>
+          <p:cNvPr id="10" name="グループ化 9"/>
           <p:cNvGrpSpPr/>
           <p:nvPr/>
         </p:nvGrpSpPr>
@@ -3371,7 +3339,7 @@
           <a:xfrm>
             <a:off x="3348408" y="1832892"/>
             <a:ext cx="2616294" cy="276999"/>
-            <a:chOff x="6815359" y="4450841"/>
+            <a:chOff x="3348408" y="1832892"/>
             <a:chExt cx="2616294" cy="276999"/>
           </a:xfrm>
         </p:grpSpPr>
@@ -3383,7 +3351,7 @@
           </p:nvSpPr>
           <p:spPr>
             <a:xfrm>
-              <a:off x="6815359" y="4450841"/>
+              <a:off x="3348408" y="1832892"/>
               <a:ext cx="2616294" cy="276999"/>
             </a:xfrm>
             <a:prstGeom prst="rect">
@@ -3407,7 +3375,7 @@
         </p:sp>
         <p:pic>
           <p:nvPicPr>
-            <p:cNvPr id="6" name="Picture 12" descr="https://latex.codecogs.com/gif.latex?%5Cdpi%7B300%7D%20%5CLARGE%20%5Cmu"/>
+            <p:cNvPr id="9" name="Picture 2" descr="https://latex.codecogs.com/gif.latex?%5Cdpi%7B300%7D%20%5Chuge%20%5Cboldsymbol%7B%5Cmu%7D"/>
             <p:cNvPicPr>
               <a:picLocks noChangeAspect="1" noChangeArrowheads="1"/>
             </p:cNvPicPr>
@@ -3428,8 +3396,8 @@
           </p:blipFill>
           <p:spPr bwMode="auto">
             <a:xfrm>
-              <a:off x="7640806" y="4541999"/>
-              <a:ext cx="100966" cy="122450"/>
+              <a:off x="4164331" y="1924051"/>
+              <a:ext cx="107690" cy="112586"/>
             </a:xfrm>
             <a:prstGeom prst="rect">
               <a:avLst/>
@@ -3449,26 +3417,43 @@
       </p:grpSp>
       <p:pic>
         <p:nvPicPr>
-          <p:cNvPr id="8" name="図 7"/>
+          <p:cNvPr id="1028" name="Picture 4" descr="https://latex.codecogs.com/gif.latex?%5Cinline%20%5Cdpi%7B300%7D%20%5Chuge%20%5Cboldsymbol%7Bz%7D_1"/>
           <p:cNvPicPr>
-            <a:picLocks noChangeAspect="1"/>
+            <a:picLocks noChangeAspect="1" noChangeArrowheads="1"/>
           </p:cNvPicPr>
           <p:nvPr/>
         </p:nvPicPr>
         <p:blipFill>
-          <a:blip r:embed="rId4"/>
+          <a:blip r:embed="rId4" cstate="print">
+            <a:extLst>
+              <a:ext uri="{28A0092B-C50C-407E-A947-70E740481C1C}">
+                <a14:useLocalDpi xmlns:a14="http://schemas.microsoft.com/office/drawing/2010/main" val="0"/>
+              </a:ext>
+            </a:extLst>
+          </a:blip>
+          <a:srcRect/>
           <a:stretch>
             <a:fillRect/>
           </a:stretch>
         </p:blipFill>
-        <p:spPr>
+        <p:spPr bwMode="auto">
           <a:xfrm>
-            <a:off x="2241467" y="100137"/>
-            <a:ext cx="1106941" cy="3859088"/>
+            <a:off x="1855273" y="1920275"/>
+            <a:ext cx="150692" cy="109406"/>
           </a:xfrm>
           <a:prstGeom prst="rect">
             <a:avLst/>
           </a:prstGeom>
+          <a:noFill/>
+          <a:extLst>
+            <a:ext uri="{909E8E84-426E-40DD-AFC4-6F175D3DCCD1}">
+              <a14:hiddenFill xmlns:a14="http://schemas.microsoft.com/office/drawing/2010/main">
+                <a:solidFill>
+                  <a:srgbClr val="FFFFFF"/>
+                </a:solidFill>
+              </a14:hiddenFill>
+            </a:ext>
+          </a:extLst>
         </p:spPr>
       </p:pic>
     </p:spTree>

--- a/docs/tutorials/img/vae-gmm/vae-gmm.pptx
+++ b/docs/tutorials/img/vae-gmm/vae-gmm.pptx
@@ -2,12 +2,12 @@
 <file path=ppt/presentation.xml><?xml version="1.0" encoding="utf-8"?>
 <p:presentation xmlns:a="http://schemas.openxmlformats.org/drawingml/2006/main" xmlns:r="http://schemas.openxmlformats.org/officeDocument/2006/relationships" xmlns:p="http://schemas.openxmlformats.org/presentationml/2006/main" saveSubsetFonts="1">
   <p:sldMasterIdLst>
-    <p:sldMasterId id="2147483684" r:id="rId1"/>
+    <p:sldMasterId id="2147483696" r:id="rId1"/>
   </p:sldMasterIdLst>
   <p:sldIdLst>
     <p:sldId id="257" r:id="rId2"/>
   </p:sldIdLst>
-  <p:sldSz cx="6119813" cy="3959225"/>
+  <p:sldSz cx="8999538" cy="3959225"/>
   <p:notesSz cx="6858000" cy="9144000"/>
   <p:defaultTextStyle>
     <a:defPPr>
@@ -141,8 +141,8 @@
         </p:nvSpPr>
         <p:spPr>
           <a:xfrm>
-            <a:off x="458986" y="647957"/>
-            <a:ext cx="5201841" cy="1378397"/>
+            <a:off x="1124942" y="647957"/>
+            <a:ext cx="6749654" cy="1378397"/>
           </a:xfrm>
         </p:spPr>
         <p:txBody>
@@ -173,8 +173,8 @@
         </p:nvSpPr>
         <p:spPr>
           <a:xfrm>
-            <a:off x="764977" y="2079510"/>
-            <a:ext cx="4589860" cy="955896"/>
+            <a:off x="1124942" y="2079510"/>
+            <a:ext cx="6749654" cy="955896"/>
           </a:xfrm>
         </p:spPr>
         <p:txBody>
@@ -243,7 +243,7 @@
           <a:p>
             <a:fld id="{16104FB1-D2AC-4D66-9888-E53CC3CF0F9C}" type="datetimeFigureOut">
               <a:rPr kumimoji="1" lang="ja-JP" altLang="en-US" smtClean="0"/>
-              <a:t>2018/12/3</a:t>
+              <a:t>2018/12/6</a:t>
             </a:fld>
             <a:endParaRPr kumimoji="1" lang="ja-JP" altLang="en-US"/>
           </a:p>
@@ -294,7 +294,7 @@
     </p:spTree>
     <p:extLst>
       <p:ext uri="{BB962C8B-B14F-4D97-AF65-F5344CB8AC3E}">
-        <p14:creationId xmlns:p14="http://schemas.microsoft.com/office/powerpoint/2010/main" val="3678381328"/>
+        <p14:creationId xmlns:p14="http://schemas.microsoft.com/office/powerpoint/2010/main" val="2517333548"/>
       </p:ext>
     </p:extLst>
   </p:cSld>
@@ -445,7 +445,7 @@
           <a:p>
             <a:fld id="{16104FB1-D2AC-4D66-9888-E53CC3CF0F9C}" type="datetimeFigureOut">
               <a:rPr kumimoji="1" lang="ja-JP" altLang="en-US" smtClean="0"/>
-              <a:t>2018/12/3</a:t>
+              <a:t>2018/12/6</a:t>
             </a:fld>
             <a:endParaRPr kumimoji="1" lang="ja-JP" altLang="en-US"/>
           </a:p>
@@ -496,7 +496,7 @@
     </p:spTree>
     <p:extLst>
       <p:ext uri="{BB962C8B-B14F-4D97-AF65-F5344CB8AC3E}">
-        <p14:creationId xmlns:p14="http://schemas.microsoft.com/office/powerpoint/2010/main" val="747184756"/>
+        <p14:creationId xmlns:p14="http://schemas.microsoft.com/office/powerpoint/2010/main" val="1000053114"/>
       </p:ext>
     </p:extLst>
   </p:cSld>
@@ -535,8 +535,8 @@
         </p:nvSpPr>
         <p:spPr>
           <a:xfrm>
-            <a:off x="4379491" y="210792"/>
-            <a:ext cx="1319585" cy="3355260"/>
+            <a:off x="6440295" y="210792"/>
+            <a:ext cx="1940525" cy="3355260"/>
           </a:xfrm>
         </p:spPr>
         <p:txBody>
@@ -563,8 +563,8 @@
         </p:nvSpPr>
         <p:spPr>
           <a:xfrm>
-            <a:off x="420738" y="210792"/>
-            <a:ext cx="3882256" cy="3355260"/>
+            <a:off x="618718" y="210792"/>
+            <a:ext cx="5709082" cy="3355260"/>
           </a:xfrm>
         </p:spPr>
         <p:txBody>
@@ -657,7 +657,7 @@
           <a:p>
             <a:fld id="{16104FB1-D2AC-4D66-9888-E53CC3CF0F9C}" type="datetimeFigureOut">
               <a:rPr kumimoji="1" lang="ja-JP" altLang="en-US" smtClean="0"/>
-              <a:t>2018/12/3</a:t>
+              <a:t>2018/12/6</a:t>
             </a:fld>
             <a:endParaRPr kumimoji="1" lang="ja-JP" altLang="en-US"/>
           </a:p>
@@ -708,7 +708,7 @@
     </p:spTree>
     <p:extLst>
       <p:ext uri="{BB962C8B-B14F-4D97-AF65-F5344CB8AC3E}">
-        <p14:creationId xmlns:p14="http://schemas.microsoft.com/office/powerpoint/2010/main" val="356445384"/>
+        <p14:creationId xmlns:p14="http://schemas.microsoft.com/office/powerpoint/2010/main" val="2711141164"/>
       </p:ext>
     </p:extLst>
   </p:cSld>
@@ -859,7 +859,7 @@
           <a:p>
             <a:fld id="{16104FB1-D2AC-4D66-9888-E53CC3CF0F9C}" type="datetimeFigureOut">
               <a:rPr kumimoji="1" lang="ja-JP" altLang="en-US" smtClean="0"/>
-              <a:t>2018/12/3</a:t>
+              <a:t>2018/12/6</a:t>
             </a:fld>
             <a:endParaRPr kumimoji="1" lang="ja-JP" altLang="en-US"/>
           </a:p>
@@ -910,7 +910,7 @@
     </p:spTree>
     <p:extLst>
       <p:ext uri="{BB962C8B-B14F-4D97-AF65-F5344CB8AC3E}">
-        <p14:creationId xmlns:p14="http://schemas.microsoft.com/office/powerpoint/2010/main" val="2020369514"/>
+        <p14:creationId xmlns:p14="http://schemas.microsoft.com/office/powerpoint/2010/main" val="1932418185"/>
       </p:ext>
     </p:extLst>
   </p:cSld>
@@ -949,8 +949,8 @@
         </p:nvSpPr>
         <p:spPr>
           <a:xfrm>
-            <a:off x="417550" y="987058"/>
-            <a:ext cx="5278339" cy="1646927"/>
+            <a:off x="614031" y="987058"/>
+            <a:ext cx="7762102" cy="1646927"/>
           </a:xfrm>
         </p:spPr>
         <p:txBody>
@@ -981,8 +981,8 @@
         </p:nvSpPr>
         <p:spPr>
           <a:xfrm>
-            <a:off x="417550" y="2649566"/>
-            <a:ext cx="5278339" cy="866080"/>
+            <a:off x="614031" y="2649565"/>
+            <a:ext cx="7762102" cy="866080"/>
           </a:xfrm>
         </p:spPr>
         <p:txBody>
@@ -992,7 +992,9 @@
               <a:buNone/>
               <a:defRPr sz="1386">
                 <a:solidFill>
-                  <a:schemeClr val="tx1"/>
+                  <a:schemeClr val="tx1">
+                    <a:tint val="75000"/>
+                  </a:schemeClr>
                 </a:solidFill>
               </a:defRPr>
             </a:lvl1pPr>
@@ -1103,7 +1105,7 @@
           <a:p>
             <a:fld id="{16104FB1-D2AC-4D66-9888-E53CC3CF0F9C}" type="datetimeFigureOut">
               <a:rPr kumimoji="1" lang="ja-JP" altLang="en-US" smtClean="0"/>
-              <a:t>2018/12/3</a:t>
+              <a:t>2018/12/6</a:t>
             </a:fld>
             <a:endParaRPr kumimoji="1" lang="ja-JP" altLang="en-US"/>
           </a:p>
@@ -1154,7 +1156,7 @@
     </p:spTree>
     <p:extLst>
       <p:ext uri="{BB962C8B-B14F-4D97-AF65-F5344CB8AC3E}">
-        <p14:creationId xmlns:p14="http://schemas.microsoft.com/office/powerpoint/2010/main" val="681029084"/>
+        <p14:creationId xmlns:p14="http://schemas.microsoft.com/office/powerpoint/2010/main" val="1357308367"/>
       </p:ext>
     </p:extLst>
   </p:cSld>
@@ -1216,8 +1218,8 @@
         </p:nvSpPr>
         <p:spPr>
           <a:xfrm>
-            <a:off x="420737" y="1053960"/>
-            <a:ext cx="2600921" cy="2512092"/>
+            <a:off x="618718" y="1053960"/>
+            <a:ext cx="3824804" cy="2512092"/>
           </a:xfrm>
         </p:spPr>
         <p:txBody>
@@ -1305,8 +1307,8 @@
         </p:nvSpPr>
         <p:spPr>
           <a:xfrm>
-            <a:off x="3098155" y="1053960"/>
-            <a:ext cx="2600921" cy="2512092"/>
+            <a:off x="4556016" y="1053960"/>
+            <a:ext cx="3824804" cy="2512092"/>
           </a:xfrm>
         </p:spPr>
         <p:txBody>
@@ -1399,7 +1401,7 @@
           <a:p>
             <a:fld id="{16104FB1-D2AC-4D66-9888-E53CC3CF0F9C}" type="datetimeFigureOut">
               <a:rPr kumimoji="1" lang="ja-JP" altLang="en-US" smtClean="0"/>
-              <a:t>2018/12/3</a:t>
+              <a:t>2018/12/6</a:t>
             </a:fld>
             <a:endParaRPr kumimoji="1" lang="ja-JP" altLang="en-US"/>
           </a:p>
@@ -1450,7 +1452,7 @@
     </p:spTree>
     <p:extLst>
       <p:ext uri="{BB962C8B-B14F-4D97-AF65-F5344CB8AC3E}">
-        <p14:creationId xmlns:p14="http://schemas.microsoft.com/office/powerpoint/2010/main" val="3001087593"/>
+        <p14:creationId xmlns:p14="http://schemas.microsoft.com/office/powerpoint/2010/main" val="3572962851"/>
       </p:ext>
     </p:extLst>
   </p:cSld>
@@ -1489,8 +1491,8 @@
         </p:nvSpPr>
         <p:spPr>
           <a:xfrm>
-            <a:off x="421534" y="210793"/>
-            <a:ext cx="5278339" cy="765267"/>
+            <a:off x="619890" y="210792"/>
+            <a:ext cx="7762102" cy="765267"/>
           </a:xfrm>
         </p:spPr>
         <p:txBody>
@@ -1517,8 +1519,8 @@
         </p:nvSpPr>
         <p:spPr>
           <a:xfrm>
-            <a:off x="421535" y="970560"/>
-            <a:ext cx="2588967" cy="475657"/>
+            <a:off x="619891" y="970560"/>
+            <a:ext cx="3807226" cy="475657"/>
           </a:xfrm>
         </p:spPr>
         <p:txBody>
@@ -1582,8 +1584,8 @@
         </p:nvSpPr>
         <p:spPr>
           <a:xfrm>
-            <a:off x="421535" y="1446217"/>
-            <a:ext cx="2588967" cy="2127167"/>
+            <a:off x="619891" y="1446217"/>
+            <a:ext cx="3807226" cy="2127167"/>
           </a:xfrm>
         </p:spPr>
         <p:txBody>
@@ -1671,8 +1673,8 @@
         </p:nvSpPr>
         <p:spPr>
           <a:xfrm>
-            <a:off x="3098155" y="970560"/>
-            <a:ext cx="2601718" cy="475657"/>
+            <a:off x="4556016" y="970560"/>
+            <a:ext cx="3825976" cy="475657"/>
           </a:xfrm>
         </p:spPr>
         <p:txBody>
@@ -1736,8 +1738,8 @@
         </p:nvSpPr>
         <p:spPr>
           <a:xfrm>
-            <a:off x="3098155" y="1446217"/>
-            <a:ext cx="2601718" cy="2127167"/>
+            <a:off x="4556016" y="1446217"/>
+            <a:ext cx="3825976" cy="2127167"/>
           </a:xfrm>
         </p:spPr>
         <p:txBody>
@@ -1830,7 +1832,7 @@
           <a:p>
             <a:fld id="{16104FB1-D2AC-4D66-9888-E53CC3CF0F9C}" type="datetimeFigureOut">
               <a:rPr kumimoji="1" lang="ja-JP" altLang="en-US" smtClean="0"/>
-              <a:t>2018/12/3</a:t>
+              <a:t>2018/12/6</a:t>
             </a:fld>
             <a:endParaRPr kumimoji="1" lang="ja-JP" altLang="en-US"/>
           </a:p>
@@ -1881,7 +1883,7 @@
     </p:spTree>
     <p:extLst>
       <p:ext uri="{BB962C8B-B14F-4D97-AF65-F5344CB8AC3E}">
-        <p14:creationId xmlns:p14="http://schemas.microsoft.com/office/powerpoint/2010/main" val="1099288551"/>
+        <p14:creationId xmlns:p14="http://schemas.microsoft.com/office/powerpoint/2010/main" val="1393532491"/>
       </p:ext>
     </p:extLst>
   </p:cSld>
@@ -1948,7 +1950,7 @@
           <a:p>
             <a:fld id="{16104FB1-D2AC-4D66-9888-E53CC3CF0F9C}" type="datetimeFigureOut">
               <a:rPr kumimoji="1" lang="ja-JP" altLang="en-US" smtClean="0"/>
-              <a:t>2018/12/3</a:t>
+              <a:t>2018/12/6</a:t>
             </a:fld>
             <a:endParaRPr kumimoji="1" lang="ja-JP" altLang="en-US"/>
           </a:p>
@@ -1999,7 +2001,7 @@
     </p:spTree>
     <p:extLst>
       <p:ext uri="{BB962C8B-B14F-4D97-AF65-F5344CB8AC3E}">
-        <p14:creationId xmlns:p14="http://schemas.microsoft.com/office/powerpoint/2010/main" val="3154370125"/>
+        <p14:creationId xmlns:p14="http://schemas.microsoft.com/office/powerpoint/2010/main" val="567419183"/>
       </p:ext>
     </p:extLst>
   </p:cSld>
@@ -2043,7 +2045,7 @@
           <a:p>
             <a:fld id="{16104FB1-D2AC-4D66-9888-E53CC3CF0F9C}" type="datetimeFigureOut">
               <a:rPr kumimoji="1" lang="ja-JP" altLang="en-US" smtClean="0"/>
-              <a:t>2018/12/3</a:t>
+              <a:t>2018/12/6</a:t>
             </a:fld>
             <a:endParaRPr kumimoji="1" lang="ja-JP" altLang="en-US"/>
           </a:p>
@@ -2094,7 +2096,7 @@
     </p:spTree>
     <p:extLst>
       <p:ext uri="{BB962C8B-B14F-4D97-AF65-F5344CB8AC3E}">
-        <p14:creationId xmlns:p14="http://schemas.microsoft.com/office/powerpoint/2010/main" val="2647931034"/>
+        <p14:creationId xmlns:p14="http://schemas.microsoft.com/office/powerpoint/2010/main" val="3089362100"/>
       </p:ext>
     </p:extLst>
   </p:cSld>
@@ -2133,8 +2135,8 @@
         </p:nvSpPr>
         <p:spPr>
           <a:xfrm>
-            <a:off x="421534" y="263948"/>
-            <a:ext cx="1973799" cy="923819"/>
+            <a:off x="619891" y="263948"/>
+            <a:ext cx="2902585" cy="923819"/>
           </a:xfrm>
         </p:spPr>
         <p:txBody>
@@ -2165,8 +2167,8 @@
         </p:nvSpPr>
         <p:spPr>
           <a:xfrm>
-            <a:off x="2601718" y="570056"/>
-            <a:ext cx="3098155" cy="2813616"/>
+            <a:off x="3825976" y="570055"/>
+            <a:ext cx="4556016" cy="2813616"/>
           </a:xfrm>
         </p:spPr>
         <p:txBody>
@@ -2282,8 +2284,8 @@
         </p:nvSpPr>
         <p:spPr>
           <a:xfrm>
-            <a:off x="421534" y="1187768"/>
-            <a:ext cx="1973799" cy="2200486"/>
+            <a:off x="619891" y="1187768"/>
+            <a:ext cx="2902585" cy="2200486"/>
           </a:xfrm>
         </p:spPr>
         <p:txBody>
@@ -2352,7 +2354,7 @@
           <a:p>
             <a:fld id="{16104FB1-D2AC-4D66-9888-E53CC3CF0F9C}" type="datetimeFigureOut">
               <a:rPr kumimoji="1" lang="ja-JP" altLang="en-US" smtClean="0"/>
-              <a:t>2018/12/3</a:t>
+              <a:t>2018/12/6</a:t>
             </a:fld>
             <a:endParaRPr kumimoji="1" lang="ja-JP" altLang="en-US"/>
           </a:p>
@@ -2403,7 +2405,7 @@
     </p:spTree>
     <p:extLst>
       <p:ext uri="{BB962C8B-B14F-4D97-AF65-F5344CB8AC3E}">
-        <p14:creationId xmlns:p14="http://schemas.microsoft.com/office/powerpoint/2010/main" val="800849637"/>
+        <p14:creationId xmlns:p14="http://schemas.microsoft.com/office/powerpoint/2010/main" val="4183209659"/>
       </p:ext>
     </p:extLst>
   </p:cSld>
@@ -2442,8 +2444,8 @@
         </p:nvSpPr>
         <p:spPr>
           <a:xfrm>
-            <a:off x="421534" y="263948"/>
-            <a:ext cx="1973799" cy="923819"/>
+            <a:off x="619891" y="263948"/>
+            <a:ext cx="2902585" cy="923819"/>
           </a:xfrm>
         </p:spPr>
         <p:txBody>
@@ -2474,8 +2476,8 @@
         </p:nvSpPr>
         <p:spPr>
           <a:xfrm>
-            <a:off x="2601718" y="570056"/>
-            <a:ext cx="3098155" cy="2813616"/>
+            <a:off x="3825976" y="570055"/>
+            <a:ext cx="4556016" cy="2813616"/>
           </a:xfrm>
         </p:spPr>
         <p:txBody>
@@ -2539,8 +2541,8 @@
         </p:nvSpPr>
         <p:spPr>
           <a:xfrm>
-            <a:off x="421534" y="1187768"/>
-            <a:ext cx="1973799" cy="2200486"/>
+            <a:off x="619891" y="1187768"/>
+            <a:ext cx="2902585" cy="2200486"/>
           </a:xfrm>
         </p:spPr>
         <p:txBody>
@@ -2609,7 +2611,7 @@
           <a:p>
             <a:fld id="{16104FB1-D2AC-4D66-9888-E53CC3CF0F9C}" type="datetimeFigureOut">
               <a:rPr kumimoji="1" lang="ja-JP" altLang="en-US" smtClean="0"/>
-              <a:t>2018/12/3</a:t>
+              <a:t>2018/12/6</a:t>
             </a:fld>
             <a:endParaRPr kumimoji="1" lang="ja-JP" altLang="en-US"/>
           </a:p>
@@ -2660,7 +2662,7 @@
     </p:spTree>
     <p:extLst>
       <p:ext uri="{BB962C8B-B14F-4D97-AF65-F5344CB8AC3E}">
-        <p14:creationId xmlns:p14="http://schemas.microsoft.com/office/powerpoint/2010/main" val="1236336690"/>
+        <p14:creationId xmlns:p14="http://schemas.microsoft.com/office/powerpoint/2010/main" val="2478458696"/>
       </p:ext>
     </p:extLst>
   </p:cSld>
@@ -2704,8 +2706,8 @@
         </p:nvSpPr>
         <p:spPr>
           <a:xfrm>
-            <a:off x="420737" y="210793"/>
-            <a:ext cx="5278339" cy="765267"/>
+            <a:off x="618718" y="210792"/>
+            <a:ext cx="7762102" cy="765267"/>
           </a:xfrm>
           <a:prstGeom prst="rect">
             <a:avLst/>
@@ -2737,8 +2739,8 @@
         </p:nvSpPr>
         <p:spPr>
           <a:xfrm>
-            <a:off x="420737" y="1053960"/>
-            <a:ext cx="5278339" cy="2512092"/>
+            <a:off x="618718" y="1053960"/>
+            <a:ext cx="7762102" cy="2512092"/>
           </a:xfrm>
           <a:prstGeom prst="rect">
             <a:avLst/>
@@ -2831,8 +2833,8 @@
         </p:nvSpPr>
         <p:spPr>
           <a:xfrm>
-            <a:off x="420737" y="3669616"/>
-            <a:ext cx="1376958" cy="210792"/>
+            <a:off x="618718" y="3669615"/>
+            <a:ext cx="2024896" cy="210792"/>
           </a:xfrm>
           <a:prstGeom prst="rect">
             <a:avLst/>
@@ -2854,7 +2856,7 @@
           <a:p>
             <a:fld id="{16104FB1-D2AC-4D66-9888-E53CC3CF0F9C}" type="datetimeFigureOut">
               <a:rPr kumimoji="1" lang="ja-JP" altLang="en-US" smtClean="0"/>
-              <a:t>2018/12/3</a:t>
+              <a:t>2018/12/6</a:t>
             </a:fld>
             <a:endParaRPr kumimoji="1" lang="ja-JP" altLang="en-US"/>
           </a:p>
@@ -2872,8 +2874,8 @@
         </p:nvSpPr>
         <p:spPr>
           <a:xfrm>
-            <a:off x="2027188" y="3669616"/>
-            <a:ext cx="2065437" cy="210792"/>
+            <a:off x="2981097" y="3669615"/>
+            <a:ext cx="3037344" cy="210792"/>
           </a:xfrm>
           <a:prstGeom prst="rect">
             <a:avLst/>
@@ -2909,8 +2911,8 @@
         </p:nvSpPr>
         <p:spPr>
           <a:xfrm>
-            <a:off x="4322118" y="3669616"/>
-            <a:ext cx="1376958" cy="210792"/>
+            <a:off x="6355924" y="3669615"/>
+            <a:ext cx="2024896" cy="210792"/>
           </a:xfrm>
           <a:prstGeom prst="rect">
             <a:avLst/>
@@ -2941,23 +2943,23 @@
     </p:spTree>
     <p:extLst>
       <p:ext uri="{BB962C8B-B14F-4D97-AF65-F5344CB8AC3E}">
-        <p14:creationId xmlns:p14="http://schemas.microsoft.com/office/powerpoint/2010/main" val="2870704402"/>
+        <p14:creationId xmlns:p14="http://schemas.microsoft.com/office/powerpoint/2010/main" val="2509578315"/>
       </p:ext>
     </p:extLst>
   </p:cSld>
   <p:clrMap bg1="lt1" tx1="dk1" bg2="lt2" tx2="dk2" accent1="accent1" accent2="accent2" accent3="accent3" accent4="accent4" accent5="accent5" accent6="accent6" hlink="hlink" folHlink="folHlink"/>
   <p:sldLayoutIdLst>
-    <p:sldLayoutId id="2147483685" r:id="rId1"/>
-    <p:sldLayoutId id="2147483686" r:id="rId2"/>
-    <p:sldLayoutId id="2147483687" r:id="rId3"/>
-    <p:sldLayoutId id="2147483688" r:id="rId4"/>
-    <p:sldLayoutId id="2147483689" r:id="rId5"/>
-    <p:sldLayoutId id="2147483690" r:id="rId6"/>
-    <p:sldLayoutId id="2147483691" r:id="rId7"/>
-    <p:sldLayoutId id="2147483692" r:id="rId8"/>
-    <p:sldLayoutId id="2147483693" r:id="rId9"/>
-    <p:sldLayoutId id="2147483694" r:id="rId10"/>
-    <p:sldLayoutId id="2147483695" r:id="rId11"/>
+    <p:sldLayoutId id="2147483697" r:id="rId1"/>
+    <p:sldLayoutId id="2147483698" r:id="rId2"/>
+    <p:sldLayoutId id="2147483699" r:id="rId3"/>
+    <p:sldLayoutId id="2147483700" r:id="rId4"/>
+    <p:sldLayoutId id="2147483701" r:id="rId5"/>
+    <p:sldLayoutId id="2147483702" r:id="rId6"/>
+    <p:sldLayoutId id="2147483703" r:id="rId7"/>
+    <p:sldLayoutId id="2147483704" r:id="rId8"/>
+    <p:sldLayoutId id="2147483705" r:id="rId9"/>
+    <p:sldLayoutId id="2147483706" r:id="rId10"/>
+    <p:sldLayoutId id="2147483707" r:id="rId11"/>
   </p:sldLayoutIdLst>
   <p:txStyles>
     <p:titleStyle>
@@ -3259,52 +3261,6 @@
           <a:chExt cx="0" cy="0"/>
         </a:xfrm>
       </p:grpSpPr>
-      <p:sp>
-        <p:nvSpPr>
-          <p:cNvPr id="4" name="テキスト ボックス 3"/>
-          <p:cNvSpPr txBox="1"/>
-          <p:nvPr/>
-        </p:nvSpPr>
-        <p:spPr>
-          <a:xfrm>
-            <a:off x="415108" y="1832892"/>
-            <a:ext cx="1768113" cy="276999"/>
-          </a:xfrm>
-          <a:prstGeom prst="rect">
-            <a:avLst/>
-          </a:prstGeom>
-          <a:noFill/>
-        </p:spPr>
-        <p:txBody>
-          <a:bodyPr wrap="none" rtlCol="0">
-            <a:spAutoFit/>
-          </a:bodyPr>
-          <a:lstStyle/>
-          <a:p>
-            <a:r>
-              <a:rPr lang="en-US" altLang="ja-JP" sz="1200" dirty="0"/>
-              <a:t>Send</a:t>
-            </a:r>
-            <a:r>
-              <a:rPr lang="ja-JP" altLang="en-US" sz="1200" dirty="0"/>
-              <a:t> </a:t>
-            </a:r>
-            <a:r>
-              <a:rPr lang="en-US" altLang="ja-JP" sz="1200" dirty="0"/>
-              <a:t>latent </a:t>
-            </a:r>
-            <a:r>
-              <a:rPr lang="en-US" altLang="ja-JP" sz="1200" dirty="0" smtClean="0"/>
-              <a:t>variables       </a:t>
-            </a:r>
-            <a:r>
-              <a:rPr lang="en-US" altLang="ja-JP" sz="1200" dirty="0"/>
-              <a:t>.</a:t>
-            </a:r>
-            <a:endParaRPr lang="ja-JP" altLang="en-US" sz="1200" dirty="0"/>
-          </a:p>
-        </p:txBody>
-      </p:sp>
       <p:pic>
         <p:nvPicPr>
           <p:cNvPr id="8" name="図 7"/>
@@ -3321,7 +3277,7 @@
         </p:blipFill>
         <p:spPr>
           <a:xfrm>
-            <a:off x="2241467" y="100137"/>
+            <a:off x="4874207" y="100137"/>
             <a:ext cx="1106941" cy="3859088"/>
           </a:xfrm>
           <a:prstGeom prst="rect">
@@ -3337,10 +3293,10 @@
         </p:nvGrpSpPr>
         <p:grpSpPr>
           <a:xfrm>
-            <a:off x="3348408" y="1832892"/>
-            <a:ext cx="2616294" cy="276999"/>
+            <a:off x="5981148" y="1875792"/>
+            <a:ext cx="3088923" cy="307777"/>
             <a:chOff x="3348408" y="1832892"/>
-            <a:chExt cx="2616294" cy="276999"/>
+            <a:chExt cx="3088922" cy="307777"/>
           </a:xfrm>
         </p:grpSpPr>
         <p:sp>
@@ -3352,7 +3308,7 @@
           <p:spPr>
             <a:xfrm>
               <a:off x="3348408" y="1832892"/>
-              <a:ext cx="2616294" cy="276999"/>
+              <a:ext cx="3088922" cy="307777"/>
             </a:xfrm>
             <a:prstGeom prst="rect">
               <a:avLst/>
@@ -3366,10 +3322,18 @@
             <a:lstStyle/>
             <a:p>
               <a:r>
-                <a:rPr lang="en-US" altLang="ja-JP" sz="1200" dirty="0"/>
-                <a:t>Send mean     of distribution of classes.</a:t>
+                <a:rPr lang="en-US" altLang="ja-JP" sz="1400" dirty="0"/>
+                <a:t>Send </a:t>
               </a:r>
-              <a:endParaRPr lang="ja-JP" altLang="en-US" sz="1200" dirty="0"/>
+              <a:r>
+                <a:rPr lang="en-US" altLang="ja-JP" sz="1400" dirty="0" smtClean="0"/>
+                <a:t>means     </a:t>
+              </a:r>
+              <a:r>
+                <a:rPr lang="en-US" altLang="ja-JP" sz="1400" dirty="0"/>
+                <a:t>of distribution of classes.</a:t>
+              </a:r>
+              <a:endParaRPr lang="ja-JP" altLang="en-US" sz="1400" dirty="0"/>
             </a:p>
           </p:txBody>
         </p:sp>
@@ -3396,8 +3360,106 @@
           </p:blipFill>
           <p:spPr bwMode="auto">
             <a:xfrm>
-              <a:off x="4164331" y="1924051"/>
-              <a:ext cx="107690" cy="112586"/>
+              <a:off x="4358394" y="1952399"/>
+              <a:ext cx="112339" cy="117446"/>
+            </a:xfrm>
+            <a:prstGeom prst="rect">
+              <a:avLst/>
+            </a:prstGeom>
+            <a:noFill/>
+            <a:extLst>
+              <a:ext uri="{909E8E84-426E-40DD-AFC4-6F175D3DCCD1}">
+                <a14:hiddenFill xmlns:a14="http://schemas.microsoft.com/office/drawing/2010/main">
+                  <a:solidFill>
+                    <a:srgbClr val="FFFFFF"/>
+                  </a:solidFill>
+                </a14:hiddenFill>
+              </a:ext>
+            </a:extLst>
+          </p:spPr>
+        </p:pic>
+      </p:grpSp>
+      <p:grpSp>
+        <p:nvGrpSpPr>
+          <p:cNvPr id="3" name="グループ化 2"/>
+          <p:cNvGrpSpPr/>
+          <p:nvPr/>
+        </p:nvGrpSpPr>
+        <p:grpSpPr>
+          <a:xfrm>
+            <a:off x="2963070" y="1875791"/>
+            <a:ext cx="2033057" cy="307777"/>
+            <a:chOff x="3243248" y="1802116"/>
+            <a:chExt cx="2033057" cy="307777"/>
+          </a:xfrm>
+        </p:grpSpPr>
+        <p:sp>
+          <p:nvSpPr>
+            <p:cNvPr id="4" name="テキスト ボックス 3"/>
+            <p:cNvSpPr txBox="1"/>
+            <p:nvPr/>
+          </p:nvSpPr>
+          <p:spPr>
+            <a:xfrm>
+              <a:off x="3243248" y="1802116"/>
+              <a:ext cx="2033057" cy="307777"/>
+            </a:xfrm>
+            <a:prstGeom prst="rect">
+              <a:avLst/>
+            </a:prstGeom>
+            <a:noFill/>
+          </p:spPr>
+          <p:txBody>
+            <a:bodyPr wrap="none" rtlCol="0">
+              <a:spAutoFit/>
+            </a:bodyPr>
+            <a:lstStyle/>
+            <a:p>
+              <a:r>
+                <a:rPr lang="en-US" altLang="ja-JP" sz="1400" dirty="0"/>
+                <a:t>Send</a:t>
+              </a:r>
+              <a:r>
+                <a:rPr lang="ja-JP" altLang="en-US" sz="1400" dirty="0"/>
+                <a:t> </a:t>
+              </a:r>
+              <a:r>
+                <a:rPr lang="en-US" altLang="ja-JP" sz="1400" dirty="0"/>
+                <a:t>latent variables      </a:t>
+              </a:r>
+              <a:r>
+                <a:rPr lang="en-US" altLang="ja-JP" sz="1400" dirty="0" smtClean="0"/>
+                <a:t>.</a:t>
+              </a:r>
+              <a:endParaRPr lang="ja-JP" altLang="en-US" sz="1400" dirty="0"/>
+            </a:p>
+          </p:txBody>
+        </p:sp>
+        <p:pic>
+          <p:nvPicPr>
+            <p:cNvPr id="1028" name="Picture 4" descr="https://latex.codecogs.com/gif.latex?%5Cinline%20%5Cdpi%7B300%7D%20%5Chuge%20%5Cboldsymbol%7Bz%7D_1"/>
+            <p:cNvPicPr>
+              <a:picLocks noChangeAspect="1" noChangeArrowheads="1"/>
+            </p:cNvPicPr>
+            <p:nvPr/>
+          </p:nvPicPr>
+          <p:blipFill>
+            <a:blip r:embed="rId4" cstate="print">
+              <a:extLst>
+                <a:ext uri="{28A0092B-C50C-407E-A947-70E740481C1C}">
+                  <a14:useLocalDpi xmlns:a14="http://schemas.microsoft.com/office/drawing/2010/main" val="0"/>
+                </a:ext>
+              </a:extLst>
+            </a:blip>
+            <a:srcRect/>
+            <a:stretch>
+              <a:fillRect/>
+            </a:stretch>
+          </p:blipFill>
+          <p:spPr bwMode="auto">
+            <a:xfrm>
+              <a:off x="4890109" y="1920275"/>
+              <a:ext cx="150692" cy="109406"/>
             </a:xfrm>
             <a:prstGeom prst="rect">
               <a:avLst/>
@@ -3417,43 +3479,26 @@
       </p:grpSp>
       <p:pic>
         <p:nvPicPr>
-          <p:cNvPr id="1028" name="Picture 4" descr="https://latex.codecogs.com/gif.latex?%5Cinline%20%5Cdpi%7B300%7D%20%5Chuge%20%5Cboldsymbol%7Bz%7D_1"/>
+          <p:cNvPr id="2" name="図 1"/>
           <p:cNvPicPr>
-            <a:picLocks noChangeAspect="1" noChangeArrowheads="1"/>
+            <a:picLocks noChangeAspect="1"/>
           </p:cNvPicPr>
           <p:nvPr/>
         </p:nvPicPr>
         <p:blipFill>
-          <a:blip r:embed="rId4" cstate="print">
-            <a:extLst>
-              <a:ext uri="{28A0092B-C50C-407E-A947-70E740481C1C}">
-                <a14:useLocalDpi xmlns:a14="http://schemas.microsoft.com/office/drawing/2010/main" val="0"/>
-              </a:ext>
-            </a:extLst>
-          </a:blip>
-          <a:srcRect/>
+          <a:blip r:embed="rId5"/>
           <a:stretch>
             <a:fillRect/>
           </a:stretch>
         </p:blipFill>
-        <p:spPr bwMode="auto">
+        <p:spPr>
           <a:xfrm>
-            <a:off x="1855273" y="1920275"/>
-            <a:ext cx="150692" cy="109406"/>
+            <a:off x="111376" y="389344"/>
+            <a:ext cx="2767824" cy="3164098"/>
           </a:xfrm>
           <a:prstGeom prst="rect">
             <a:avLst/>
           </a:prstGeom>
-          <a:noFill/>
-          <a:extLst>
-            <a:ext uri="{909E8E84-426E-40DD-AFC4-6F175D3DCCD1}">
-              <a14:hiddenFill xmlns:a14="http://schemas.microsoft.com/office/drawing/2010/main">
-                <a:solidFill>
-                  <a:srgbClr val="FFFFFF"/>
-                </a:solidFill>
-              </a14:hiddenFill>
-            </a:ext>
-          </a:extLst>
         </p:spPr>
       </p:pic>
     </p:spTree>
